--- a/Prepoznavanje biljaka na osnovu slike lista.pptx
+++ b/Prepoznavanje biljaka na osnovu slike lista.pptx
@@ -6469,7 +6469,12 @@
             <p:ph type="ctrTitle"/>
           </p:nvPr>
         </p:nvSpPr>
-        <p:spPr/>
+        <p:spPr>
+          <a:xfrm>
+            <a:off x="1154955" y="1122363"/>
+            <a:ext cx="8825658" cy="3329581"/>
+          </a:xfrm>
+        </p:spPr>
         <p:txBody>
           <a:bodyPr>
             <a:normAutofit fontScale="90000"/>
@@ -7612,7 +7617,7 @@
         <p:spPr>
           <a:xfrm>
             <a:off x="7185804" y="2052918"/>
-            <a:ext cx="3485071" cy="3588213"/>
+            <a:ext cx="3485071" cy="3302000"/>
           </a:xfrm>
           <a:prstGeom prst="rect">
             <a:avLst/>
@@ -8202,8 +8207,8 @@
         </p:blipFill>
         <p:spPr bwMode="auto">
           <a:xfrm>
-            <a:off x="5934075" y="3916211"/>
-            <a:ext cx="5419725" cy="1924050"/>
+            <a:off x="5934075" y="4001293"/>
+            <a:ext cx="5654618" cy="2007439"/>
           </a:xfrm>
           <a:prstGeom prst="rect">
             <a:avLst/>
@@ -8888,10 +8893,10 @@
       </p:sp>
       <p:pic>
         <p:nvPicPr>
-          <p:cNvPr id="4" name="Picture 3">
+          <p:cNvPr id="5" name="Picture 4">
             <a:extLst>
               <a:ext uri="{FF2B5EF4-FFF2-40B4-BE49-F238E27FC236}">
-                <a16:creationId xmlns:a16="http://schemas.microsoft.com/office/drawing/2014/main" id="{7FE4AAA2-D3CF-430D-88BC-791763C5C9D6}"/>
+                <a16:creationId xmlns:a16="http://schemas.microsoft.com/office/drawing/2014/main" id="{CDE2E1E5-658A-4DE4-9304-DA53D82E7DC7}"/>
               </a:ext>
             </a:extLst>
           </p:cNvPr>
@@ -8908,8 +8913,8 @@
         </p:blipFill>
         <p:spPr>
           <a:xfrm>
-            <a:off x="1109752" y="1586990"/>
-            <a:ext cx="9696450" cy="4943475"/>
+            <a:off x="935966" y="1543230"/>
+            <a:ext cx="9906000" cy="5048250"/>
           </a:xfrm>
           <a:prstGeom prst="rect">
             <a:avLst/>
@@ -9008,7 +9013,7 @@
         </p:blipFill>
         <p:spPr>
           <a:xfrm>
-            <a:off x="522689" y="1393069"/>
+            <a:off x="342236" y="1411273"/>
             <a:ext cx="2196859" cy="1647644"/>
           </a:xfrm>
           <a:prstGeom prst="rect">
@@ -9158,8 +9163,8 @@
         </p:nvSpPr>
         <p:spPr>
           <a:xfrm>
-            <a:off x="850875" y="3095684"/>
-            <a:ext cx="1540486" cy="646331"/>
+            <a:off x="491893" y="3105023"/>
+            <a:ext cx="1897543" cy="646331"/>
           </a:xfrm>
           <a:prstGeom prst="rect">
             <a:avLst/>
@@ -9167,11 +9172,12 @@
           <a:noFill/>
         </p:spPr>
         <p:txBody>
-          <a:bodyPr wrap="none" rtlCol="0">
+          <a:bodyPr wrap="square" rtlCol="0">
             <a:spAutoFit/>
           </a:bodyPr>
           <a:lstStyle/>
           <a:p>
+            <a:pPr algn="ctr"/>
             <a:r>
               <a:rPr lang="en-US"/>
               <a:t>Original image</a:t>
@@ -9200,8 +9206,8 @@
         </p:nvSpPr>
         <p:spPr>
           <a:xfrm>
-            <a:off x="5289620" y="3332521"/>
-            <a:ext cx="1513107" cy="646331"/>
+            <a:off x="5045572" y="3332521"/>
+            <a:ext cx="1895071" cy="646331"/>
           </a:xfrm>
           <a:prstGeom prst="rect">
             <a:avLst/>
@@ -9214,6 +9220,7 @@
           </a:bodyPr>
           <a:lstStyle/>
           <a:p>
+            <a:pPr algn="ctr"/>
             <a:r>
               <a:rPr lang="en-US"/>
               <a:t>Padded image</a:t>
@@ -9242,8 +9249,8 @@
         </p:nvSpPr>
         <p:spPr>
           <a:xfrm>
-            <a:off x="8472080" y="2987772"/>
-            <a:ext cx="1410322" cy="646331"/>
+            <a:off x="8301039" y="2989651"/>
+            <a:ext cx="1752403" cy="646331"/>
           </a:xfrm>
           <a:prstGeom prst="rect">
             <a:avLst/>
@@ -9256,6 +9263,7 @@
           </a:bodyPr>
           <a:lstStyle/>
           <a:p>
+            <a:pPr algn="ctr"/>
             <a:r>
               <a:rPr lang="en-US"/>
               <a:t>Scaled image</a:t>
@@ -9284,8 +9292,8 @@
         </p:nvSpPr>
         <p:spPr>
           <a:xfrm>
-            <a:off x="830258" y="5912806"/>
-            <a:ext cx="1684372" cy="369332"/>
+            <a:off x="562975" y="5916518"/>
+            <a:ext cx="2116285" cy="369332"/>
           </a:xfrm>
           <a:prstGeom prst="rect">
             <a:avLst/>
@@ -9298,6 +9306,7 @@
           </a:bodyPr>
           <a:lstStyle/>
           <a:p>
+            <a:pPr algn="ctr"/>
             <a:r>
               <a:rPr lang="en-US"/>
               <a:t>Averaged image</a:t>
@@ -9355,8 +9364,8 @@
         </p:nvSpPr>
         <p:spPr>
           <a:xfrm>
-            <a:off x="4227236" y="5917093"/>
-            <a:ext cx="1652760" cy="369332"/>
+            <a:off x="3997950" y="5912806"/>
+            <a:ext cx="2015295" cy="369332"/>
           </a:xfrm>
           <a:prstGeom prst="rect">
             <a:avLst/>
@@ -9369,6 +9378,7 @@
           </a:bodyPr>
           <a:lstStyle/>
           <a:p>
+            <a:pPr algn="ctr"/>
             <a:r>
               <a:rPr lang="en-US"/>
               <a:t>Rounded image</a:t>
@@ -9390,7 +9400,7 @@
         </p:nvSpPr>
         <p:spPr>
           <a:xfrm>
-            <a:off x="7473778" y="5917093"/>
+            <a:off x="7495735" y="5907891"/>
             <a:ext cx="1350819" cy="369332"/>
           </a:xfrm>
           <a:prstGeom prst="rect">
@@ -9492,8 +9502,8 @@
         </p:nvSpPr>
         <p:spPr>
           <a:xfrm>
-            <a:off x="10305949" y="5912806"/>
-            <a:ext cx="1435649" cy="369332"/>
+            <a:off x="10258299" y="5916518"/>
+            <a:ext cx="1596912" cy="369332"/>
           </a:xfrm>
           <a:prstGeom prst="rect">
             <a:avLst/>
@@ -9506,6 +9516,7 @@
           </a:bodyPr>
           <a:lstStyle/>
           <a:p>
+            <a:pPr algn="ctr"/>
             <a:r>
               <a:rPr lang="en-US"/>
               <a:t>Binary matrix</a:t>
@@ -9529,7 +9540,7 @@
         </p:nvCxnSpPr>
         <p:spPr>
           <a:xfrm>
-            <a:off x="2992500" y="2051349"/>
+            <a:off x="2894323" y="2051349"/>
             <a:ext cx="1647644" cy="0"/>
           </a:xfrm>
           <a:prstGeom prst="straightConnector1">
@@ -9571,8 +9582,8 @@
         </p:nvSpPr>
         <p:spPr>
           <a:xfrm>
-            <a:off x="2786433" y="2158467"/>
-            <a:ext cx="2219164" cy="276999"/>
+            <a:off x="2441486" y="2158467"/>
+            <a:ext cx="2553318" cy="276999"/>
           </a:xfrm>
           <a:prstGeom prst="rect">
             <a:avLst/>
@@ -9585,6 +9596,7 @@
           </a:bodyPr>
           <a:lstStyle/>
           <a:p>
+            <a:pPr algn="ctr"/>
             <a:r>
               <a:rPr lang="en-US" sz="1200" i="1"/>
               <a:t>W’</a:t>
@@ -9650,7 +9662,7 @@
         </p:nvSpPr>
         <p:spPr>
           <a:xfrm>
-            <a:off x="2748418" y="2461616"/>
+            <a:off x="2641534" y="2446226"/>
             <a:ext cx="2068195" cy="276999"/>
           </a:xfrm>
           <a:prstGeom prst="rect">
@@ -9727,8 +9739,8 @@
         </p:nvSpPr>
         <p:spPr>
           <a:xfrm>
-            <a:off x="7118298" y="2127689"/>
-            <a:ext cx="1305165" cy="307777"/>
+            <a:off x="7117152" y="2127410"/>
+            <a:ext cx="1250663" cy="276999"/>
           </a:xfrm>
           <a:prstGeom prst="rect">
             <a:avLst/>
@@ -9742,7 +9754,7 @@
           <a:lstStyle/>
           <a:p>
             <a:r>
-              <a:rPr lang="en-US" sz="1400"/>
+              <a:rPr lang="en-US" sz="1200"/>
               <a:t>resize(299,299)</a:t>
             </a:r>
           </a:p>
@@ -10444,8 +10456,8 @@
         </p:nvSpPr>
         <p:spPr>
           <a:xfrm>
-            <a:off x="5981136" y="4392942"/>
-            <a:ext cx="1234120" cy="523220"/>
+            <a:off x="5894651" y="4309977"/>
+            <a:ext cx="1372491" cy="523220"/>
           </a:xfrm>
           <a:prstGeom prst="rect">
             <a:avLst/>
@@ -10461,10 +10473,12 @@
             <a:pPr algn="ctr"/>
             <a:r>
               <a:rPr lang="en-US" sz="1400"/>
-              <a:t>Laplasov filter,</a:t>
-            </a:r>
-          </a:p>
-          <a:p>
+              <a:t>Laplasov filter</a:t>
+            </a:r>
+            <a:endParaRPr lang="sr-Latn-RS" sz="1400"/>
+          </a:p>
+          <a:p>
+            <a:pPr algn="ctr"/>
             <a:r>
               <a:rPr lang="en-US" sz="1400"/>
               <a:t>pa round(0.5)</a:t>
@@ -10684,7 +10698,7 @@
         </p:nvCxnSpPr>
         <p:spPr>
           <a:xfrm>
-            <a:off x="9161253" y="4925349"/>
+            <a:off x="9163808" y="4910749"/>
             <a:ext cx="837516" cy="0"/>
           </a:xfrm>
           <a:prstGeom prst="straightConnector1">
@@ -10726,8 +10740,8 @@
         </p:nvSpPr>
         <p:spPr>
           <a:xfrm>
-            <a:off x="9043059" y="4974727"/>
-            <a:ext cx="1064715" cy="338554"/>
+            <a:off x="9025362" y="4968510"/>
+            <a:ext cx="1114408" cy="307777"/>
           </a:xfrm>
           <a:prstGeom prst="rect">
             <a:avLst/>
@@ -10741,7 +10755,7 @@
           <a:lstStyle/>
           <a:p>
             <a:r>
-              <a:rPr lang="en-US" sz="1600"/>
+              <a:rPr lang="en-US" sz="1400"/>
               <a:t>Save as txt</a:t>
             </a:r>
           </a:p>

--- a/Prepoznavanje biljaka na osnovu slike lista.pptx
+++ b/Prepoznavanje biljaka na osnovu slike lista.pptx
@@ -8887,6 +8887,9 @@
               </a:rPr>
               <a:t>http://flavia.sourceforge.net/</a:t>
             </a:r>
+            <a:br>
+              <a:rPr lang="en-US" sz="2000"/>
+            </a:br>
             <a:endParaRPr lang="en-US" sz="2000"/>
           </a:p>
         </p:txBody>
@@ -8913,14 +8916,54 @@
         </p:blipFill>
         <p:spPr>
           <a:xfrm>
-            <a:off x="935966" y="1543230"/>
-            <a:ext cx="9906000" cy="5048250"/>
+            <a:off x="646111" y="1929890"/>
+            <a:ext cx="9027543" cy="4600575"/>
           </a:xfrm>
           <a:prstGeom prst="rect">
             <a:avLst/>
           </a:prstGeom>
         </p:spPr>
       </p:pic>
+      <p:sp>
+        <p:nvSpPr>
+          <p:cNvPr id="3" name="TextBox 2">
+            <a:extLst>
+              <a:ext uri="{FF2B5EF4-FFF2-40B4-BE49-F238E27FC236}">
+                <a16:creationId xmlns:a16="http://schemas.microsoft.com/office/drawing/2014/main" id="{F243D632-6877-4036-9602-EAF740EE723A}"/>
+              </a:ext>
+            </a:extLst>
+          </p:cNvPr>
+          <p:cNvSpPr txBox="1"/>
+          <p:nvPr/>
+        </p:nvSpPr>
+        <p:spPr>
+          <a:xfrm>
+            <a:off x="646111" y="1358733"/>
+            <a:ext cx="6234399" cy="369332"/>
+          </a:xfrm>
+          <a:prstGeom prst="rect">
+            <a:avLst/>
+          </a:prstGeom>
+          <a:noFill/>
+        </p:spPr>
+        <p:txBody>
+          <a:bodyPr wrap="none" rtlCol="0">
+            <a:spAutoFit/>
+          </a:bodyPr>
+          <a:lstStyle/>
+          <a:p>
+            <a:r>
+              <a:rPr lang="en-US"/>
+              <a:t>80% dataseta </a:t>
+            </a:r>
+            <a:r>
+              <a:rPr lang="sr-Latn-RS"/>
+              <a:t>korišćeno za treniranje, 20% za testiranja</a:t>
+            </a:r>
+            <a:endParaRPr lang="en-US"/>
+          </a:p>
+        </p:txBody>
+      </p:sp>
     </p:spTree>
     <p:extLst>
       <p:ext uri="{BB962C8B-B14F-4D97-AF65-F5344CB8AC3E}">
